--- a/要求分析/漫画口コミ投稿システム_要求書.pptx
+++ b/要求分析/漫画口コミ投稿システム_要求書.pptx
@@ -351,6 +351,45 @@
     </pc:docChg>
   </pc:docChgLst>
   <pc:docChgLst>
+    <pc:chgData name="SEC 城 建太" userId="S::k-shiro@cresco.co.jp::3d231f13-dae8-429d-9846-ed693450a2c0" providerId="AD" clId="Web-{2D188FF7-2397-412D-BBDF-52638850319D}"/>
+    <pc:docChg chg="modSld">
+      <pc:chgData name="SEC 城 建太" userId="S::k-shiro@cresco.co.jp::3d231f13-dae8-429d-9846-ed693450a2c0" providerId="AD" clId="Web-{2D188FF7-2397-412D-BBDF-52638850319D}" dt="2020-06-08T04:47:24.995" v="72" actId="20577"/>
+      <pc:docMkLst>
+        <pc:docMk/>
+      </pc:docMkLst>
+      <pc:sldChg chg="modSp">
+        <pc:chgData name="SEC 城 建太" userId="S::k-shiro@cresco.co.jp::3d231f13-dae8-429d-9846-ed693450a2c0" providerId="AD" clId="Web-{2D188FF7-2397-412D-BBDF-52638850319D}" dt="2020-06-08T04:47:24.995" v="71" actId="20577"/>
+        <pc:sldMkLst>
+          <pc:docMk/>
+          <pc:sldMk cId="3678410551" sldId="257"/>
+        </pc:sldMkLst>
+        <pc:spChg chg="mod">
+          <ac:chgData name="SEC 城 建太" userId="S::k-shiro@cresco.co.jp::3d231f13-dae8-429d-9846-ed693450a2c0" providerId="AD" clId="Web-{2D188FF7-2397-412D-BBDF-52638850319D}" dt="2020-06-08T04:47:24.995" v="71" actId="20577"/>
+          <ac:spMkLst>
+            <pc:docMk/>
+            <pc:sldMk cId="3678410551" sldId="257"/>
+            <ac:spMk id="3" creationId="{49820123-254C-43B2-951B-24FB1A6E5BAB}"/>
+          </ac:spMkLst>
+        </pc:spChg>
+      </pc:sldChg>
+      <pc:sldChg chg="modSp">
+        <pc:chgData name="SEC 城 建太" userId="S::k-shiro@cresco.co.jp::3d231f13-dae8-429d-9846-ed693450a2c0" providerId="AD" clId="Web-{2D188FF7-2397-412D-BBDF-52638850319D}" dt="2020-06-08T04:46:28.526" v="26" actId="20577"/>
+        <pc:sldMkLst>
+          <pc:docMk/>
+          <pc:sldMk cId="4278663909" sldId="259"/>
+        </pc:sldMkLst>
+        <pc:spChg chg="mod">
+          <ac:chgData name="SEC 城 建太" userId="S::k-shiro@cresco.co.jp::3d231f13-dae8-429d-9846-ed693450a2c0" providerId="AD" clId="Web-{2D188FF7-2397-412D-BBDF-52638850319D}" dt="2020-06-08T04:46:28.526" v="26" actId="20577"/>
+          <ac:spMkLst>
+            <pc:docMk/>
+            <pc:sldMk cId="4278663909" sldId="259"/>
+            <ac:spMk id="3" creationId="{3A3034FE-3B73-4B1B-8661-F89CFCCFA275}"/>
+          </ac:spMkLst>
+        </pc:spChg>
+      </pc:sldChg>
+    </pc:docChg>
+  </pc:docChgLst>
+  <pc:docChgLst>
     <pc:chgData name="SEC 武井 俊樹" userId="S::t-takei@cresco.co.jp::0a00fee5-9db4-40bf-a537-b59f0ada0050" providerId="AD" clId="Web-{A3CC86AB-3D39-4FDE-89D0-758BE7883FB2}"/>
     <pc:docChg chg="modSld">
       <pc:chgData name="SEC 武井 俊樹" userId="S::t-takei@cresco.co.jp::0a00fee5-9db4-40bf-a537-b59f0ada0050" providerId="AD" clId="Web-{A3CC86AB-3D39-4FDE-89D0-758BE7883FB2}" dt="2020-06-08T06:17:59.928" v="14" actId="1076"/>
@@ -369,45 +408,6 @@
             <pc:docMk/>
             <pc:sldMk cId="518941873" sldId="260"/>
             <ac:spMk id="2" creationId="{0568FEAF-3D21-4C27-9A8F-208C747648D1}"/>
-          </ac:spMkLst>
-        </pc:spChg>
-      </pc:sldChg>
-    </pc:docChg>
-  </pc:docChgLst>
-  <pc:docChgLst>
-    <pc:chgData name="SEC 城 建太" userId="S::k-shiro@cresco.co.jp::3d231f13-dae8-429d-9846-ed693450a2c0" providerId="AD" clId="Web-{2D188FF7-2397-412D-BBDF-52638850319D}"/>
-    <pc:docChg chg="modSld">
-      <pc:chgData name="SEC 城 建太" userId="S::k-shiro@cresco.co.jp::3d231f13-dae8-429d-9846-ed693450a2c0" providerId="AD" clId="Web-{2D188FF7-2397-412D-BBDF-52638850319D}" dt="2020-06-08T04:47:24.995" v="72" actId="20577"/>
-      <pc:docMkLst>
-        <pc:docMk/>
-      </pc:docMkLst>
-      <pc:sldChg chg="modSp">
-        <pc:chgData name="SEC 城 建太" userId="S::k-shiro@cresco.co.jp::3d231f13-dae8-429d-9846-ed693450a2c0" providerId="AD" clId="Web-{2D188FF7-2397-412D-BBDF-52638850319D}" dt="2020-06-08T04:47:24.995" v="71" actId="20577"/>
-        <pc:sldMkLst>
-          <pc:docMk/>
-          <pc:sldMk cId="3678410551" sldId="257"/>
-        </pc:sldMkLst>
-        <pc:spChg chg="mod">
-          <ac:chgData name="SEC 城 建太" userId="S::k-shiro@cresco.co.jp::3d231f13-dae8-429d-9846-ed693450a2c0" providerId="AD" clId="Web-{2D188FF7-2397-412D-BBDF-52638850319D}" dt="2020-06-08T04:47:24.995" v="71" actId="20577"/>
-          <ac:spMkLst>
-            <pc:docMk/>
-            <pc:sldMk cId="3678410551" sldId="257"/>
-            <ac:spMk id="3" creationId="{49820123-254C-43B2-951B-24FB1A6E5BAB}"/>
-          </ac:spMkLst>
-        </pc:spChg>
-      </pc:sldChg>
-      <pc:sldChg chg="modSp">
-        <pc:chgData name="SEC 城 建太" userId="S::k-shiro@cresco.co.jp::3d231f13-dae8-429d-9846-ed693450a2c0" providerId="AD" clId="Web-{2D188FF7-2397-412D-BBDF-52638850319D}" dt="2020-06-08T04:46:28.526" v="26" actId="20577"/>
-        <pc:sldMkLst>
-          <pc:docMk/>
-          <pc:sldMk cId="4278663909" sldId="259"/>
-        </pc:sldMkLst>
-        <pc:spChg chg="mod">
-          <ac:chgData name="SEC 城 建太" userId="S::k-shiro@cresco.co.jp::3d231f13-dae8-429d-9846-ed693450a2c0" providerId="AD" clId="Web-{2D188FF7-2397-412D-BBDF-52638850319D}" dt="2020-06-08T04:46:28.526" v="26" actId="20577"/>
-          <ac:spMkLst>
-            <pc:docMk/>
-            <pc:sldMk cId="4278663909" sldId="259"/>
-            <ac:spMk id="3" creationId="{3A3034FE-3B73-4B1B-8661-F89CFCCFA275}"/>
           </ac:spMkLst>
         </pc:spChg>
       </pc:sldChg>
@@ -1014,7 +1014,7 @@
           <a:p>
             <a:fld id="{0E02A643-9BB0-4E02-80B2-2C0A5E5D738E}" type="datetimeFigureOut">
               <a:rPr kumimoji="1" lang="ja-JP" altLang="en-US" smtClean="0"/>
-              <a:t>2020/6/8</a:t>
+              <a:t>2020/6/9</a:t>
             </a:fld>
             <a:endParaRPr kumimoji="1" lang="ja-JP" altLang="en-US"/>
           </a:p>
@@ -1214,7 +1214,7 @@
           <a:p>
             <a:fld id="{0E02A643-9BB0-4E02-80B2-2C0A5E5D738E}" type="datetimeFigureOut">
               <a:rPr kumimoji="1" lang="ja-JP" altLang="en-US" smtClean="0"/>
-              <a:t>2020/6/8</a:t>
+              <a:t>2020/6/9</a:t>
             </a:fld>
             <a:endParaRPr kumimoji="1" lang="ja-JP" altLang="en-US"/>
           </a:p>
@@ -1424,7 +1424,7 @@
           <a:p>
             <a:fld id="{0E02A643-9BB0-4E02-80B2-2C0A5E5D738E}" type="datetimeFigureOut">
               <a:rPr kumimoji="1" lang="ja-JP" altLang="en-US" smtClean="0"/>
-              <a:t>2020/6/8</a:t>
+              <a:t>2020/6/9</a:t>
             </a:fld>
             <a:endParaRPr kumimoji="1" lang="ja-JP" altLang="en-US"/>
           </a:p>
@@ -1624,7 +1624,7 @@
           <a:p>
             <a:fld id="{0E02A643-9BB0-4E02-80B2-2C0A5E5D738E}" type="datetimeFigureOut">
               <a:rPr kumimoji="1" lang="ja-JP" altLang="en-US" smtClean="0"/>
-              <a:t>2020/6/8</a:t>
+              <a:t>2020/6/9</a:t>
             </a:fld>
             <a:endParaRPr kumimoji="1" lang="ja-JP" altLang="en-US"/>
           </a:p>
@@ -1869,7 +1869,7 @@
           <a:p>
             <a:fld id="{0E02A643-9BB0-4E02-80B2-2C0A5E5D738E}" type="datetimeFigureOut">
               <a:rPr kumimoji="1" lang="ja-JP" altLang="en-US" smtClean="0"/>
-              <a:t>2020/6/8</a:t>
+              <a:t>2020/6/9</a:t>
             </a:fld>
             <a:endParaRPr kumimoji="1" lang="ja-JP" altLang="en-US"/>
           </a:p>
@@ -2162,7 +2162,7 @@
           <a:p>
             <a:fld id="{0E02A643-9BB0-4E02-80B2-2C0A5E5D738E}" type="datetimeFigureOut">
               <a:rPr kumimoji="1" lang="ja-JP" altLang="en-US" smtClean="0"/>
-              <a:t>2020/6/8</a:t>
+              <a:t>2020/6/9</a:t>
             </a:fld>
             <a:endParaRPr kumimoji="1" lang="ja-JP" altLang="en-US"/>
           </a:p>
@@ -2590,7 +2590,7 @@
           <a:p>
             <a:fld id="{0E02A643-9BB0-4E02-80B2-2C0A5E5D738E}" type="datetimeFigureOut">
               <a:rPr kumimoji="1" lang="ja-JP" altLang="en-US" smtClean="0"/>
-              <a:t>2020/6/8</a:t>
+              <a:t>2020/6/9</a:t>
             </a:fld>
             <a:endParaRPr kumimoji="1" lang="ja-JP" altLang="en-US"/>
           </a:p>
@@ -2707,7 +2707,7 @@
           <a:p>
             <a:fld id="{0E02A643-9BB0-4E02-80B2-2C0A5E5D738E}" type="datetimeFigureOut">
               <a:rPr kumimoji="1" lang="ja-JP" altLang="en-US" smtClean="0"/>
-              <a:t>2020/6/8</a:t>
+              <a:t>2020/6/9</a:t>
             </a:fld>
             <a:endParaRPr kumimoji="1" lang="ja-JP" altLang="en-US"/>
           </a:p>
@@ -2802,7 +2802,7 @@
           <a:p>
             <a:fld id="{0E02A643-9BB0-4E02-80B2-2C0A5E5D738E}" type="datetimeFigureOut">
               <a:rPr kumimoji="1" lang="ja-JP" altLang="en-US" smtClean="0"/>
-              <a:t>2020/6/8</a:t>
+              <a:t>2020/6/9</a:t>
             </a:fld>
             <a:endParaRPr kumimoji="1" lang="ja-JP" altLang="en-US"/>
           </a:p>
@@ -3109,7 +3109,7 @@
           <a:p>
             <a:fld id="{0E02A643-9BB0-4E02-80B2-2C0A5E5D738E}" type="datetimeFigureOut">
               <a:rPr kumimoji="1" lang="ja-JP" altLang="en-US" smtClean="0"/>
-              <a:t>2020/6/8</a:t>
+              <a:t>2020/6/9</a:t>
             </a:fld>
             <a:endParaRPr kumimoji="1" lang="ja-JP" altLang="en-US"/>
           </a:p>
@@ -3361,7 +3361,7 @@
           <a:p>
             <a:fld id="{0E02A643-9BB0-4E02-80B2-2C0A5E5D738E}" type="datetimeFigureOut">
               <a:rPr kumimoji="1" lang="ja-JP" altLang="en-US" smtClean="0"/>
-              <a:t>2020/6/8</a:t>
+              <a:t>2020/6/9</a:t>
             </a:fld>
             <a:endParaRPr kumimoji="1" lang="ja-JP" altLang="en-US"/>
           </a:p>
@@ -3604,7 +3604,7 @@
           <a:p>
             <a:fld id="{0E02A643-9BB0-4E02-80B2-2C0A5E5D738E}" type="datetimeFigureOut">
               <a:rPr kumimoji="1" lang="ja-JP" altLang="en-US" smtClean="0"/>
-              <a:t>2020/6/8</a:t>
+              <a:t>2020/6/9</a:t>
             </a:fld>
             <a:endParaRPr kumimoji="1" lang="ja-JP" altLang="en-US"/>
           </a:p>
@@ -4346,6 +4346,30 @@
               </a:rPr>
               <a:t>投稿一覧の表示機能</a:t>
             </a:r>
+            <a:endParaRPr lang="en-US" altLang="ja-JP" dirty="0">
+              <a:ea typeface="ＭＳ Ｐゴシック"/>
+              <a:cs typeface="Calibri"/>
+            </a:endParaRPr>
+          </a:p>
+          <a:p>
+            <a:r>
+              <a:rPr lang="ja-JP" altLang="en-US" dirty="0">
+                <a:ea typeface="ＭＳ Ｐゴシック"/>
+                <a:cs typeface="Calibri"/>
+              </a:rPr>
+              <a:t>投稿した口コミ</a:t>
+            </a:r>
+            <a:r>
+              <a:rPr lang="ja-JP" altLang="en-US">
+                <a:ea typeface="ＭＳ Ｐゴシック"/>
+                <a:cs typeface="Calibri"/>
+              </a:rPr>
+              <a:t>の表示機能</a:t>
+            </a:r>
+            <a:endParaRPr lang="ja-JP" altLang="en-US" dirty="0">
+              <a:ea typeface="ＭＳ Ｐゴシック"/>
+              <a:cs typeface="Calibri"/>
+            </a:endParaRPr>
           </a:p>
           <a:p>
             <a:r>
@@ -4808,12 +4832,9 @@
 </file>
 
 <file path=customXml/item1.xml><?xml version="1.0" encoding="utf-8"?>
-<?mso-contentType ?>
-<FormTemplates xmlns="http://schemas.microsoft.com/sharepoint/v3/contenttype/forms">
-  <Display>DocumentLibraryForm</Display>
-  <Edit>DocumentLibraryForm</Edit>
-  <New>DocumentLibraryForm</New>
-</FormTemplates>
+<p:properties xmlns:p="http://schemas.microsoft.com/office/2006/metadata/properties" xmlns:xsi="http://www.w3.org/2001/XMLSchema-instance" xmlns:pc="http://schemas.microsoft.com/office/infopath/2007/PartnerControls">
+  <documentManagement/>
+</p:properties>
 </file>
 
 <file path=customXml/item2.xml><?xml version="1.0" encoding="utf-8"?>
@@ -5001,15 +5022,19 @@
 </file>
 
 <file path=customXml/item3.xml><?xml version="1.0" encoding="utf-8"?>
-<p:properties xmlns:p="http://schemas.microsoft.com/office/2006/metadata/properties" xmlns:xsi="http://www.w3.org/2001/XMLSchema-instance" xmlns:pc="http://schemas.microsoft.com/office/infopath/2007/PartnerControls">
-  <documentManagement/>
-</p:properties>
+<?mso-contentType ?>
+<FormTemplates xmlns="http://schemas.microsoft.com/sharepoint/v3/contenttype/forms">
+  <Display>DocumentLibraryForm</Display>
+  <Edit>DocumentLibraryForm</Edit>
+  <New>DocumentLibraryForm</New>
+</FormTemplates>
 </file>
 
 <file path=customXml/itemProps1.xml><?xml version="1.0" encoding="utf-8"?>
-<ds:datastoreItem xmlns:ds="http://schemas.openxmlformats.org/officeDocument/2006/customXml" ds:itemID="{9CAFE72F-78AF-46F7-81C7-BB905F95041F}">
+<ds:datastoreItem xmlns:ds="http://schemas.openxmlformats.org/officeDocument/2006/customXml" ds:itemID="{3CE05811-5779-4FD0-99D7-2704E5378DA7}">
   <ds:schemaRefs>
-    <ds:schemaRef ds:uri="http://schemas.microsoft.com/sharepoint/v3/contenttype/forms"/>
+    <ds:schemaRef ds:uri="http://schemas.microsoft.com/office/2006/metadata/properties"/>
+    <ds:schemaRef ds:uri="http://schemas.microsoft.com/office/infopath/2007/PartnerControls"/>
   </ds:schemaRefs>
 </ds:datastoreItem>
 </file>
@@ -5033,10 +5058,9 @@
 </file>
 
 <file path=customXml/itemProps3.xml><?xml version="1.0" encoding="utf-8"?>
-<ds:datastoreItem xmlns:ds="http://schemas.openxmlformats.org/officeDocument/2006/customXml" ds:itemID="{3CE05811-5779-4FD0-99D7-2704E5378DA7}">
+<ds:datastoreItem xmlns:ds="http://schemas.openxmlformats.org/officeDocument/2006/customXml" ds:itemID="{9CAFE72F-78AF-46F7-81C7-BB905F95041F}">
   <ds:schemaRefs>
-    <ds:schemaRef ds:uri="http://schemas.microsoft.com/office/2006/metadata/properties"/>
-    <ds:schemaRef ds:uri="http://schemas.microsoft.com/office/infopath/2007/PartnerControls"/>
+    <ds:schemaRef ds:uri="http://schemas.microsoft.com/sharepoint/v3/contenttype/forms"/>
   </ds:schemaRefs>
 </ds:datastoreItem>
 </file>
--- a/要求分析/漫画口コミ投稿システム_要求書.pptx
+++ b/要求分析/漫画口コミ投稿システム_要求書.pptx
@@ -351,6 +351,30 @@
     </pc:docChg>
   </pc:docChgLst>
   <pc:docChgLst>
+    <pc:chgData name="SEC 武井 俊樹" userId="S::t-takei@cresco.co.jp::0a00fee5-9db4-40bf-a537-b59f0ada0050" providerId="AD" clId="Web-{A3CC86AB-3D39-4FDE-89D0-758BE7883FB2}"/>
+    <pc:docChg chg="modSld">
+      <pc:chgData name="SEC 武井 俊樹" userId="S::t-takei@cresco.co.jp::0a00fee5-9db4-40bf-a537-b59f0ada0050" providerId="AD" clId="Web-{A3CC86AB-3D39-4FDE-89D0-758BE7883FB2}" dt="2020-06-08T06:17:59.928" v="14" actId="1076"/>
+      <pc:docMkLst>
+        <pc:docMk/>
+      </pc:docMkLst>
+      <pc:sldChg chg="addSp modSp">
+        <pc:chgData name="SEC 武井 俊樹" userId="S::t-takei@cresco.co.jp::0a00fee5-9db4-40bf-a537-b59f0ada0050" providerId="AD" clId="Web-{A3CC86AB-3D39-4FDE-89D0-758BE7883FB2}" dt="2020-06-08T06:17:59.928" v="14" actId="1076"/>
+        <pc:sldMkLst>
+          <pc:docMk/>
+          <pc:sldMk cId="518941873" sldId="260"/>
+        </pc:sldMkLst>
+        <pc:spChg chg="add mod">
+          <ac:chgData name="SEC 武井 俊樹" userId="S::t-takei@cresco.co.jp::0a00fee5-9db4-40bf-a537-b59f0ada0050" providerId="AD" clId="Web-{A3CC86AB-3D39-4FDE-89D0-758BE7883FB2}" dt="2020-06-08T06:17:59.928" v="14" actId="1076"/>
+          <ac:spMkLst>
+            <pc:docMk/>
+            <pc:sldMk cId="518941873" sldId="260"/>
+            <ac:spMk id="2" creationId="{0568FEAF-3D21-4C27-9A8F-208C747648D1}"/>
+          </ac:spMkLst>
+        </pc:spChg>
+      </pc:sldChg>
+    </pc:docChg>
+  </pc:docChgLst>
+  <pc:docChgLst>
     <pc:chgData name="SEC 城 建太" userId="S::k-shiro@cresco.co.jp::3d231f13-dae8-429d-9846-ed693450a2c0" providerId="AD" clId="Web-{2D188FF7-2397-412D-BBDF-52638850319D}"/>
     <pc:docChg chg="modSld">
       <pc:chgData name="SEC 城 建太" userId="S::k-shiro@cresco.co.jp::3d231f13-dae8-429d-9846-ed693450a2c0" providerId="AD" clId="Web-{2D188FF7-2397-412D-BBDF-52638850319D}" dt="2020-06-08T04:47:24.995" v="72" actId="20577"/>
@@ -384,30 +408,6 @@
             <pc:docMk/>
             <pc:sldMk cId="4278663909" sldId="259"/>
             <ac:spMk id="3" creationId="{3A3034FE-3B73-4B1B-8661-F89CFCCFA275}"/>
-          </ac:spMkLst>
-        </pc:spChg>
-      </pc:sldChg>
-    </pc:docChg>
-  </pc:docChgLst>
-  <pc:docChgLst>
-    <pc:chgData name="SEC 武井 俊樹" userId="S::t-takei@cresco.co.jp::0a00fee5-9db4-40bf-a537-b59f0ada0050" providerId="AD" clId="Web-{A3CC86AB-3D39-4FDE-89D0-758BE7883FB2}"/>
-    <pc:docChg chg="modSld">
-      <pc:chgData name="SEC 武井 俊樹" userId="S::t-takei@cresco.co.jp::0a00fee5-9db4-40bf-a537-b59f0ada0050" providerId="AD" clId="Web-{A3CC86AB-3D39-4FDE-89D0-758BE7883FB2}" dt="2020-06-08T06:17:59.928" v="14" actId="1076"/>
-      <pc:docMkLst>
-        <pc:docMk/>
-      </pc:docMkLst>
-      <pc:sldChg chg="addSp modSp">
-        <pc:chgData name="SEC 武井 俊樹" userId="S::t-takei@cresco.co.jp::0a00fee5-9db4-40bf-a537-b59f0ada0050" providerId="AD" clId="Web-{A3CC86AB-3D39-4FDE-89D0-758BE7883FB2}" dt="2020-06-08T06:17:59.928" v="14" actId="1076"/>
-        <pc:sldMkLst>
-          <pc:docMk/>
-          <pc:sldMk cId="518941873" sldId="260"/>
-        </pc:sldMkLst>
-        <pc:spChg chg="add mod">
-          <ac:chgData name="SEC 武井 俊樹" userId="S::t-takei@cresco.co.jp::0a00fee5-9db4-40bf-a537-b59f0ada0050" providerId="AD" clId="Web-{A3CC86AB-3D39-4FDE-89D0-758BE7883FB2}" dt="2020-06-08T06:17:59.928" v="14" actId="1076"/>
-          <ac:spMkLst>
-            <pc:docMk/>
-            <pc:sldMk cId="518941873" sldId="260"/>
-            <ac:spMk id="2" creationId="{0568FEAF-3D21-4C27-9A8F-208C747648D1}"/>
           </ac:spMkLst>
         </pc:spChg>
       </pc:sldChg>
@@ -4339,6 +4339,20 @@
             </a:endParaRPr>
           </a:p>
           <a:p>
+            <a:pPr lvl="1"/>
+            <a:r>
+              <a:rPr lang="ja-JP" altLang="en-US" dirty="0">
+                <a:ea typeface="ＭＳ Ｐゴシック"/>
+                <a:cs typeface="Calibri"/>
+              </a:rPr>
+              <a:t>投稿番号、ユーザ名、時刻、内容</a:t>
+            </a:r>
+            <a:endParaRPr lang="en-US" altLang="ja-JP" dirty="0">
+              <a:ea typeface="ＭＳ Ｐゴシック"/>
+              <a:cs typeface="Calibri"/>
+            </a:endParaRPr>
+          </a:p>
+          <a:p>
             <a:r>
               <a:rPr lang="ja-JP" altLang="en-US" dirty="0">
                 <a:ea typeface="ＭＳ Ｐゴシック"/>
@@ -4357,19 +4371,8 @@
                 <a:ea typeface="ＭＳ Ｐゴシック"/>
                 <a:cs typeface="Calibri"/>
               </a:rPr>
-              <a:t>投稿した口コミ</a:t>
-            </a:r>
-            <a:r>
-              <a:rPr lang="ja-JP" altLang="en-US">
-                <a:ea typeface="ＭＳ Ｐゴシック"/>
-                <a:cs typeface="Calibri"/>
-              </a:rPr>
-              <a:t>の表示機能</a:t>
-            </a:r>
-            <a:endParaRPr lang="ja-JP" altLang="en-US" dirty="0">
-              <a:ea typeface="ＭＳ Ｐゴシック"/>
-              <a:cs typeface="Calibri"/>
-            </a:endParaRPr>
+              <a:t>投稿した口コミの表示機能</a:t>
+            </a:r>
           </a:p>
           <a:p>
             <a:r>
@@ -4388,10 +4391,20 @@
               </a:rPr>
               <a:t>タイトル（スレッド）の作成機能</a:t>
             </a:r>
-            <a:endParaRPr lang="ja-JP" altLang="en-US" dirty="0">
+            <a:endParaRPr lang="en-US" altLang="ja-JP" dirty="0">
               <a:ea typeface="ＭＳ Ｐゴシック"/>
               <a:cs typeface="Calibri"/>
             </a:endParaRPr>
+          </a:p>
+          <a:p>
+            <a:pPr lvl="1"/>
+            <a:r>
+              <a:rPr lang="ja-JP" altLang="en-US" dirty="0">
+                <a:ea typeface="ＭＳ Ｐゴシック"/>
+                <a:cs typeface="Calibri"/>
+              </a:rPr>
+              <a:t>タイトル名のみ</a:t>
+            </a:r>
           </a:p>
         </p:txBody>
       </p:sp>
@@ -4832,9 +4845,12 @@
 </file>
 
 <file path=customXml/item1.xml><?xml version="1.0" encoding="utf-8"?>
-<p:properties xmlns:p="http://schemas.microsoft.com/office/2006/metadata/properties" xmlns:xsi="http://www.w3.org/2001/XMLSchema-instance" xmlns:pc="http://schemas.microsoft.com/office/infopath/2007/PartnerControls">
-  <documentManagement/>
-</p:properties>
+<?mso-contentType ?>
+<FormTemplates xmlns="http://schemas.microsoft.com/sharepoint/v3/contenttype/forms">
+  <Display>DocumentLibraryForm</Display>
+  <Edit>DocumentLibraryForm</Edit>
+  <New>DocumentLibraryForm</New>
+</FormTemplates>
 </file>
 
 <file path=customXml/item2.xml><?xml version="1.0" encoding="utf-8"?>
@@ -5022,19 +5038,15 @@
 </file>
 
 <file path=customXml/item3.xml><?xml version="1.0" encoding="utf-8"?>
-<?mso-contentType ?>
-<FormTemplates xmlns="http://schemas.microsoft.com/sharepoint/v3/contenttype/forms">
-  <Display>DocumentLibraryForm</Display>
-  <Edit>DocumentLibraryForm</Edit>
-  <New>DocumentLibraryForm</New>
-</FormTemplates>
+<p:properties xmlns:p="http://schemas.microsoft.com/office/2006/metadata/properties" xmlns:xsi="http://www.w3.org/2001/XMLSchema-instance" xmlns:pc="http://schemas.microsoft.com/office/infopath/2007/PartnerControls">
+  <documentManagement/>
+</p:properties>
 </file>
 
 <file path=customXml/itemProps1.xml><?xml version="1.0" encoding="utf-8"?>
-<ds:datastoreItem xmlns:ds="http://schemas.openxmlformats.org/officeDocument/2006/customXml" ds:itemID="{3CE05811-5779-4FD0-99D7-2704E5378DA7}">
+<ds:datastoreItem xmlns:ds="http://schemas.openxmlformats.org/officeDocument/2006/customXml" ds:itemID="{9CAFE72F-78AF-46F7-81C7-BB905F95041F}">
   <ds:schemaRefs>
-    <ds:schemaRef ds:uri="http://schemas.microsoft.com/office/2006/metadata/properties"/>
-    <ds:schemaRef ds:uri="http://schemas.microsoft.com/office/infopath/2007/PartnerControls"/>
+    <ds:schemaRef ds:uri="http://schemas.microsoft.com/sharepoint/v3/contenttype/forms"/>
   </ds:schemaRefs>
 </ds:datastoreItem>
 </file>
@@ -5058,9 +5070,10 @@
 </file>
 
 <file path=customXml/itemProps3.xml><?xml version="1.0" encoding="utf-8"?>
-<ds:datastoreItem xmlns:ds="http://schemas.openxmlformats.org/officeDocument/2006/customXml" ds:itemID="{9CAFE72F-78AF-46F7-81C7-BB905F95041F}">
+<ds:datastoreItem xmlns:ds="http://schemas.openxmlformats.org/officeDocument/2006/customXml" ds:itemID="{3CE05811-5779-4FD0-99D7-2704E5378DA7}">
   <ds:schemaRefs>
-    <ds:schemaRef ds:uri="http://schemas.microsoft.com/sharepoint/v3/contenttype/forms"/>
+    <ds:schemaRef ds:uri="http://schemas.microsoft.com/office/2006/metadata/properties"/>
+    <ds:schemaRef ds:uri="http://schemas.microsoft.com/office/infopath/2007/PartnerControls"/>
   </ds:schemaRefs>
 </ds:datastoreItem>
 </file>
--- a/要求分析/漫画口コミ投稿システム_要求書.pptx
+++ b/要求分析/漫画口コミ投稿システム_要求書.pptx
@@ -351,6 +351,45 @@
     </pc:docChg>
   </pc:docChgLst>
   <pc:docChgLst>
+    <pc:chgData name="SEC 城 建太" userId="S::k-shiro@cresco.co.jp::3d231f13-dae8-429d-9846-ed693450a2c0" providerId="AD" clId="Web-{2D188FF7-2397-412D-BBDF-52638850319D}"/>
+    <pc:docChg chg="modSld">
+      <pc:chgData name="SEC 城 建太" userId="S::k-shiro@cresco.co.jp::3d231f13-dae8-429d-9846-ed693450a2c0" providerId="AD" clId="Web-{2D188FF7-2397-412D-BBDF-52638850319D}" dt="2020-06-08T04:47:24.995" v="72" actId="20577"/>
+      <pc:docMkLst>
+        <pc:docMk/>
+      </pc:docMkLst>
+      <pc:sldChg chg="modSp">
+        <pc:chgData name="SEC 城 建太" userId="S::k-shiro@cresco.co.jp::3d231f13-dae8-429d-9846-ed693450a2c0" providerId="AD" clId="Web-{2D188FF7-2397-412D-BBDF-52638850319D}" dt="2020-06-08T04:47:24.995" v="71" actId="20577"/>
+        <pc:sldMkLst>
+          <pc:docMk/>
+          <pc:sldMk cId="3678410551" sldId="257"/>
+        </pc:sldMkLst>
+        <pc:spChg chg="mod">
+          <ac:chgData name="SEC 城 建太" userId="S::k-shiro@cresco.co.jp::3d231f13-dae8-429d-9846-ed693450a2c0" providerId="AD" clId="Web-{2D188FF7-2397-412D-BBDF-52638850319D}" dt="2020-06-08T04:47:24.995" v="71" actId="20577"/>
+          <ac:spMkLst>
+            <pc:docMk/>
+            <pc:sldMk cId="3678410551" sldId="257"/>
+            <ac:spMk id="3" creationId="{49820123-254C-43B2-951B-24FB1A6E5BAB}"/>
+          </ac:spMkLst>
+        </pc:spChg>
+      </pc:sldChg>
+      <pc:sldChg chg="modSp">
+        <pc:chgData name="SEC 城 建太" userId="S::k-shiro@cresco.co.jp::3d231f13-dae8-429d-9846-ed693450a2c0" providerId="AD" clId="Web-{2D188FF7-2397-412D-BBDF-52638850319D}" dt="2020-06-08T04:46:28.526" v="26" actId="20577"/>
+        <pc:sldMkLst>
+          <pc:docMk/>
+          <pc:sldMk cId="4278663909" sldId="259"/>
+        </pc:sldMkLst>
+        <pc:spChg chg="mod">
+          <ac:chgData name="SEC 城 建太" userId="S::k-shiro@cresco.co.jp::3d231f13-dae8-429d-9846-ed693450a2c0" providerId="AD" clId="Web-{2D188FF7-2397-412D-BBDF-52638850319D}" dt="2020-06-08T04:46:28.526" v="26" actId="20577"/>
+          <ac:spMkLst>
+            <pc:docMk/>
+            <pc:sldMk cId="4278663909" sldId="259"/>
+            <ac:spMk id="3" creationId="{3A3034FE-3B73-4B1B-8661-F89CFCCFA275}"/>
+          </ac:spMkLst>
+        </pc:spChg>
+      </pc:sldChg>
+    </pc:docChg>
+  </pc:docChgLst>
+  <pc:docChgLst>
     <pc:chgData name="SEC 武井 俊樹" userId="S::t-takei@cresco.co.jp::0a00fee5-9db4-40bf-a537-b59f0ada0050" providerId="AD" clId="Web-{A3CC86AB-3D39-4FDE-89D0-758BE7883FB2}"/>
     <pc:docChg chg="modSld">
       <pc:chgData name="SEC 武井 俊樹" userId="S::t-takei@cresco.co.jp::0a00fee5-9db4-40bf-a537-b59f0ada0050" providerId="AD" clId="Web-{A3CC86AB-3D39-4FDE-89D0-758BE7883FB2}" dt="2020-06-08T06:17:59.928" v="14" actId="1076"/>
@@ -369,45 +408,6 @@
             <pc:docMk/>
             <pc:sldMk cId="518941873" sldId="260"/>
             <ac:spMk id="2" creationId="{0568FEAF-3D21-4C27-9A8F-208C747648D1}"/>
-          </ac:spMkLst>
-        </pc:spChg>
-      </pc:sldChg>
-    </pc:docChg>
-  </pc:docChgLst>
-  <pc:docChgLst>
-    <pc:chgData name="SEC 城 建太" userId="S::k-shiro@cresco.co.jp::3d231f13-dae8-429d-9846-ed693450a2c0" providerId="AD" clId="Web-{2D188FF7-2397-412D-BBDF-52638850319D}"/>
-    <pc:docChg chg="modSld">
-      <pc:chgData name="SEC 城 建太" userId="S::k-shiro@cresco.co.jp::3d231f13-dae8-429d-9846-ed693450a2c0" providerId="AD" clId="Web-{2D188FF7-2397-412D-BBDF-52638850319D}" dt="2020-06-08T04:47:24.995" v="72" actId="20577"/>
-      <pc:docMkLst>
-        <pc:docMk/>
-      </pc:docMkLst>
-      <pc:sldChg chg="modSp">
-        <pc:chgData name="SEC 城 建太" userId="S::k-shiro@cresco.co.jp::3d231f13-dae8-429d-9846-ed693450a2c0" providerId="AD" clId="Web-{2D188FF7-2397-412D-BBDF-52638850319D}" dt="2020-06-08T04:47:24.995" v="71" actId="20577"/>
-        <pc:sldMkLst>
-          <pc:docMk/>
-          <pc:sldMk cId="3678410551" sldId="257"/>
-        </pc:sldMkLst>
-        <pc:spChg chg="mod">
-          <ac:chgData name="SEC 城 建太" userId="S::k-shiro@cresco.co.jp::3d231f13-dae8-429d-9846-ed693450a2c0" providerId="AD" clId="Web-{2D188FF7-2397-412D-BBDF-52638850319D}" dt="2020-06-08T04:47:24.995" v="71" actId="20577"/>
-          <ac:spMkLst>
-            <pc:docMk/>
-            <pc:sldMk cId="3678410551" sldId="257"/>
-            <ac:spMk id="3" creationId="{49820123-254C-43B2-951B-24FB1A6E5BAB}"/>
-          </ac:spMkLst>
-        </pc:spChg>
-      </pc:sldChg>
-      <pc:sldChg chg="modSp">
-        <pc:chgData name="SEC 城 建太" userId="S::k-shiro@cresco.co.jp::3d231f13-dae8-429d-9846-ed693450a2c0" providerId="AD" clId="Web-{2D188FF7-2397-412D-BBDF-52638850319D}" dt="2020-06-08T04:46:28.526" v="26" actId="20577"/>
-        <pc:sldMkLst>
-          <pc:docMk/>
-          <pc:sldMk cId="4278663909" sldId="259"/>
-        </pc:sldMkLst>
-        <pc:spChg chg="mod">
-          <ac:chgData name="SEC 城 建太" userId="S::k-shiro@cresco.co.jp::3d231f13-dae8-429d-9846-ed693450a2c0" providerId="AD" clId="Web-{2D188FF7-2397-412D-BBDF-52638850319D}" dt="2020-06-08T04:46:28.526" v="26" actId="20577"/>
-          <ac:spMkLst>
-            <pc:docMk/>
-            <pc:sldMk cId="4278663909" sldId="259"/>
-            <ac:spMk id="3" creationId="{3A3034FE-3B73-4B1B-8661-F89CFCCFA275}"/>
           </ac:spMkLst>
         </pc:spChg>
       </pc:sldChg>
@@ -1014,7 +1014,7 @@
           <a:p>
             <a:fld id="{0E02A643-9BB0-4E02-80B2-2C0A5E5D738E}" type="datetimeFigureOut">
               <a:rPr kumimoji="1" lang="ja-JP" altLang="en-US" smtClean="0"/>
-              <a:t>2020/6/9</a:t>
+              <a:t>2020/6/11</a:t>
             </a:fld>
             <a:endParaRPr kumimoji="1" lang="ja-JP" altLang="en-US"/>
           </a:p>
@@ -1214,7 +1214,7 @@
           <a:p>
             <a:fld id="{0E02A643-9BB0-4E02-80B2-2C0A5E5D738E}" type="datetimeFigureOut">
               <a:rPr kumimoji="1" lang="ja-JP" altLang="en-US" smtClean="0"/>
-              <a:t>2020/6/9</a:t>
+              <a:t>2020/6/11</a:t>
             </a:fld>
             <a:endParaRPr kumimoji="1" lang="ja-JP" altLang="en-US"/>
           </a:p>
@@ -1424,7 +1424,7 @@
           <a:p>
             <a:fld id="{0E02A643-9BB0-4E02-80B2-2C0A5E5D738E}" type="datetimeFigureOut">
               <a:rPr kumimoji="1" lang="ja-JP" altLang="en-US" smtClean="0"/>
-              <a:t>2020/6/9</a:t>
+              <a:t>2020/6/11</a:t>
             </a:fld>
             <a:endParaRPr kumimoji="1" lang="ja-JP" altLang="en-US"/>
           </a:p>
@@ -1624,7 +1624,7 @@
           <a:p>
             <a:fld id="{0E02A643-9BB0-4E02-80B2-2C0A5E5D738E}" type="datetimeFigureOut">
               <a:rPr kumimoji="1" lang="ja-JP" altLang="en-US" smtClean="0"/>
-              <a:t>2020/6/9</a:t>
+              <a:t>2020/6/11</a:t>
             </a:fld>
             <a:endParaRPr kumimoji="1" lang="ja-JP" altLang="en-US"/>
           </a:p>
@@ -1869,7 +1869,7 @@
           <a:p>
             <a:fld id="{0E02A643-9BB0-4E02-80B2-2C0A5E5D738E}" type="datetimeFigureOut">
               <a:rPr kumimoji="1" lang="ja-JP" altLang="en-US" smtClean="0"/>
-              <a:t>2020/6/9</a:t>
+              <a:t>2020/6/11</a:t>
             </a:fld>
             <a:endParaRPr kumimoji="1" lang="ja-JP" altLang="en-US"/>
           </a:p>
@@ -2162,7 +2162,7 @@
           <a:p>
             <a:fld id="{0E02A643-9BB0-4E02-80B2-2C0A5E5D738E}" type="datetimeFigureOut">
               <a:rPr kumimoji="1" lang="ja-JP" altLang="en-US" smtClean="0"/>
-              <a:t>2020/6/9</a:t>
+              <a:t>2020/6/11</a:t>
             </a:fld>
             <a:endParaRPr kumimoji="1" lang="ja-JP" altLang="en-US"/>
           </a:p>
@@ -2590,7 +2590,7 @@
           <a:p>
             <a:fld id="{0E02A643-9BB0-4E02-80B2-2C0A5E5D738E}" type="datetimeFigureOut">
               <a:rPr kumimoji="1" lang="ja-JP" altLang="en-US" smtClean="0"/>
-              <a:t>2020/6/9</a:t>
+              <a:t>2020/6/11</a:t>
             </a:fld>
             <a:endParaRPr kumimoji="1" lang="ja-JP" altLang="en-US"/>
           </a:p>
@@ -2707,7 +2707,7 @@
           <a:p>
             <a:fld id="{0E02A643-9BB0-4E02-80B2-2C0A5E5D738E}" type="datetimeFigureOut">
               <a:rPr kumimoji="1" lang="ja-JP" altLang="en-US" smtClean="0"/>
-              <a:t>2020/6/9</a:t>
+              <a:t>2020/6/11</a:t>
             </a:fld>
             <a:endParaRPr kumimoji="1" lang="ja-JP" altLang="en-US"/>
           </a:p>
@@ -2802,7 +2802,7 @@
           <a:p>
             <a:fld id="{0E02A643-9BB0-4E02-80B2-2C0A5E5D738E}" type="datetimeFigureOut">
               <a:rPr kumimoji="1" lang="ja-JP" altLang="en-US" smtClean="0"/>
-              <a:t>2020/6/9</a:t>
+              <a:t>2020/6/11</a:t>
             </a:fld>
             <a:endParaRPr kumimoji="1" lang="ja-JP" altLang="en-US"/>
           </a:p>
@@ -3109,7 +3109,7 @@
           <a:p>
             <a:fld id="{0E02A643-9BB0-4E02-80B2-2C0A5E5D738E}" type="datetimeFigureOut">
               <a:rPr kumimoji="1" lang="ja-JP" altLang="en-US" smtClean="0"/>
-              <a:t>2020/6/9</a:t>
+              <a:t>2020/6/11</a:t>
             </a:fld>
             <a:endParaRPr kumimoji="1" lang="ja-JP" altLang="en-US"/>
           </a:p>
@@ -3361,7 +3361,7 @@
           <a:p>
             <a:fld id="{0E02A643-9BB0-4E02-80B2-2C0A5E5D738E}" type="datetimeFigureOut">
               <a:rPr kumimoji="1" lang="ja-JP" altLang="en-US" smtClean="0"/>
-              <a:t>2020/6/9</a:t>
+              <a:t>2020/6/11</a:t>
             </a:fld>
             <a:endParaRPr kumimoji="1" lang="ja-JP" altLang="en-US"/>
           </a:p>
@@ -3604,7 +3604,7 @@
           <a:p>
             <a:fld id="{0E02A643-9BB0-4E02-80B2-2C0A5E5D738E}" type="datetimeFigureOut">
               <a:rPr kumimoji="1" lang="ja-JP" altLang="en-US" smtClean="0"/>
-              <a:t>2020/6/9</a:t>
+              <a:t>2020/6/11</a:t>
             </a:fld>
             <a:endParaRPr kumimoji="1" lang="ja-JP" altLang="en-US"/>
           </a:p>
@@ -4145,88 +4145,135 @@
         <p:spPr/>
         <p:txBody>
           <a:bodyPr vert="horz" lIns="91440" tIns="45720" rIns="91440" bIns="45720" rtlCol="0" anchor="t">
-            <a:normAutofit/>
+            <a:normAutofit fontScale="92500" lnSpcReduction="10000"/>
           </a:bodyPr>
           <a:lstStyle/>
           <a:p>
             <a:r>
-              <a:rPr lang="ja-JP" altLang="en-US">
+              <a:rPr lang="ja-JP" altLang="en-US" dirty="0">
                 <a:ea typeface="ＭＳ Ｐゴシック"/>
                 <a:cs typeface="Calibri"/>
               </a:rPr>
               <a:t>このシステムでは、ユーザが、マンガの口コミの投稿と閲覧を行うことができる。</a:t>
             </a:r>
-            <a:endParaRPr lang="ja-JP">
+            <a:endParaRPr lang="en-US" altLang="ja-JP" dirty="0">
               <a:ea typeface="ＭＳ Ｐゴシック"/>
-              <a:cs typeface="Calibri" panose="020F0502020204030204"/>
+              <a:cs typeface="Calibri"/>
             </a:endParaRPr>
           </a:p>
           <a:p>
             <a:r>
-              <a:rPr lang="ja-JP" altLang="en-US">
+              <a:rPr lang="ja-JP" altLang="en-US" dirty="0">
                 <a:ea typeface="ＭＳ Ｐゴシック"/>
                 <a:cs typeface="Calibri"/>
               </a:rPr>
-              <a:t>システムを利用するにはユーザＩＤとパスワードでログインする必要がある。</a:t>
-            </a:r>
-            <a:endParaRPr lang="ja-JP">
+              <a:t>ユーザーはログインユーザーと閲覧ユーザーに分かれる</a:t>
+            </a:r>
+            <a:endParaRPr lang="en-US" altLang="ja-JP" dirty="0">
               <a:ea typeface="ＭＳ Ｐゴシック"/>
-              <a:cs typeface="Calibri" panose="020F0502020204030204"/>
+              <a:cs typeface="Calibri"/>
             </a:endParaRPr>
           </a:p>
           <a:p>
             <a:r>
-              <a:rPr lang="ja-JP" altLang="en-US">
+              <a:rPr lang="ja-JP" altLang="en-US" dirty="0">
                 <a:ea typeface="ＭＳ Ｐゴシック"/>
                 <a:cs typeface="Calibri"/>
               </a:rPr>
-              <a:t>ログイン後のシステムでは、マンガのタイトル（スレッド）に対して口コミを投稿ができる。</a:t>
-            </a:r>
-          </a:p>
-          <a:p>
-            <a:r>
-              <a:rPr lang="ja-JP">
+              <a:t>ログインユーザーへの登録をすることができる。</a:t>
+            </a:r>
+            <a:endParaRPr lang="en-US" altLang="ja-JP" dirty="0">
+              <a:ea typeface="ＭＳ Ｐゴシック"/>
+              <a:cs typeface="Calibri"/>
+            </a:endParaRPr>
+          </a:p>
+          <a:p>
+            <a:r>
+              <a:rPr lang="ja-JP" altLang="en-US" dirty="0">
                 <a:ea typeface="ＭＳ Ｐゴシック"/>
                 <a:cs typeface="Calibri"/>
               </a:rPr>
-              <a:t>マンガのタイトル（スレッド）は新しく</a:t>
-            </a:r>
-            <a:r>
-              <a:rPr lang="ja-JP" altLang="en-US">
+              <a:t>ログインをしていないユーザーは口コミの閲覧のみができる。</a:t>
+            </a:r>
+            <a:endParaRPr lang="en-US" altLang="ja-JP" dirty="0">
+              <a:ea typeface="ＭＳ Ｐゴシック"/>
+              <a:cs typeface="Calibri"/>
+            </a:endParaRPr>
+          </a:p>
+          <a:p>
+            <a:r>
+              <a:rPr lang="ja-JP" altLang="en-US" dirty="0">
+                <a:ea typeface="ＭＳ Ｐゴシック"/>
+                <a:cs typeface="Calibri"/>
+              </a:rPr>
+              <a:t>ログインをしたユーザーはマンガのタイトル（スレッド）に対して口コミを投稿ができる。</a:t>
+            </a:r>
+          </a:p>
+          <a:p>
+            <a:r>
+              <a:rPr lang="ja-JP" altLang="en-US" dirty="0">
+                <a:ea typeface="ＭＳ Ｐゴシック"/>
+                <a:cs typeface="Calibri"/>
+              </a:rPr>
+              <a:t>ログインをしたユーザーは</a:t>
+            </a:r>
+            <a:r>
+              <a:rPr lang="ja-JP" dirty="0">
+                <a:ea typeface="ＭＳ Ｐゴシック"/>
+                <a:cs typeface="Calibri"/>
+              </a:rPr>
+              <a:t>マンガのタイトル（スレッド）</a:t>
+            </a:r>
+            <a:r>
+              <a:rPr lang="ja-JP" altLang="en-US" dirty="0">
+                <a:ea typeface="ＭＳ Ｐゴシック"/>
+                <a:cs typeface="Calibri"/>
+              </a:rPr>
+              <a:t>を</a:t>
+            </a:r>
+            <a:r>
+              <a:rPr lang="ja-JP" dirty="0">
+                <a:ea typeface="ＭＳ Ｐゴシック"/>
+                <a:cs typeface="Calibri"/>
+              </a:rPr>
+              <a:t>新しく</a:t>
+            </a:r>
+            <a:r>
+              <a:rPr lang="ja-JP" altLang="en-US" dirty="0">
                 <a:ea typeface="ＭＳ Ｐゴシック"/>
                 <a:cs typeface="Calibri"/>
               </a:rPr>
               <a:t>作成</a:t>
             </a:r>
             <a:r>
-              <a:rPr lang="ja-JP">
+              <a:rPr lang="ja-JP" dirty="0">
                 <a:ea typeface="ＭＳ Ｐゴシック"/>
                 <a:cs typeface="Calibri"/>
               </a:rPr>
               <a:t>することもできる。</a:t>
             </a:r>
-            <a:endParaRPr lang="ja-JP" altLang="en-US">
+            <a:endParaRPr lang="ja-JP" altLang="en-US" dirty="0">
               <a:ea typeface="ＭＳ Ｐゴシック"/>
               <a:cs typeface="Calibri"/>
             </a:endParaRPr>
           </a:p>
           <a:p>
             <a:r>
-              <a:rPr lang="ja-JP" altLang="en-US">
+              <a:rPr lang="ja-JP" altLang="en-US" dirty="0">
                 <a:ea typeface="ＭＳ Ｐゴシック"/>
                 <a:cs typeface="Calibri"/>
               </a:rPr>
-              <a:t>投稿は閲覧することができ、自分の投稿であれば削除することもできる。</a:t>
-            </a:r>
-          </a:p>
-          <a:p>
-            <a:endParaRPr lang="ja-JP" altLang="en-US">
+              <a:t>自身の投稿した口コミはリストで閲覧することができ、削除することもできる。</a:t>
+            </a:r>
+          </a:p>
+          <a:p>
+            <a:endParaRPr lang="ja-JP" altLang="en-US" dirty="0">
               <a:ea typeface="ＭＳ Ｐゴシック"/>
               <a:cs typeface="Calibri"/>
             </a:endParaRPr>
           </a:p>
           <a:p>
-            <a:endParaRPr lang="ja-JP" altLang="en-US">
+            <a:endParaRPr lang="ja-JP" altLang="en-US" dirty="0">
               <a:ea typeface="ＭＳ Ｐゴシック"/>
               <a:cs typeface="Calibri"/>
             </a:endParaRPr>
@@ -4322,8 +4369,21 @@
                 <a:ea typeface="ＭＳ Ｐゴシック"/>
                 <a:cs typeface="Calibri"/>
               </a:rPr>
+              <a:t>会員登録機能</a:t>
+            </a:r>
+          </a:p>
+          <a:p>
+            <a:r>
+              <a:rPr lang="ja-JP" altLang="en-US" dirty="0">
+                <a:ea typeface="ＭＳ Ｐゴシック"/>
+                <a:cs typeface="Calibri"/>
+              </a:rPr>
               <a:t>ログイン機能</a:t>
             </a:r>
+            <a:endParaRPr lang="en-US" altLang="ja-JP" dirty="0">
+              <a:ea typeface="ＭＳ Ｐゴシック"/>
+              <a:cs typeface="Calibri"/>
+            </a:endParaRPr>
           </a:p>
           <a:p>
             <a:r>
@@ -4345,7 +4405,7 @@
                 <a:ea typeface="ＭＳ Ｐゴシック"/>
                 <a:cs typeface="Calibri"/>
               </a:rPr>
-              <a:t>投稿番号、ユーザ名、時刻、内容</a:t>
+              <a:t>投稿番号、漫画のタイトル、ユーザ名、時刻、内容</a:t>
             </a:r>
             <a:endParaRPr lang="en-US" altLang="ja-JP" dirty="0">
               <a:ea typeface="ＭＳ Ｐゴシック"/>
@@ -4460,13 +4520,13 @@
           <a:lstStyle/>
           <a:p>
             <a:r>
-              <a:rPr lang="ja-JP" altLang="en-US">
+              <a:rPr lang="ja-JP" altLang="en-US" dirty="0">
                 <a:ea typeface="ＭＳ Ｐゴシック"/>
                 <a:cs typeface="Calibri Light"/>
               </a:rPr>
-              <a:t>システムの前提/拡張性</a:t>
-            </a:r>
-            <a:endParaRPr kumimoji="1" lang="ja-JP" altLang="en-US"/>
+              <a:t>システムの制約</a:t>
+            </a:r>
+            <a:endParaRPr kumimoji="1" lang="ja-JP" altLang="en-US" dirty="0"/>
           </a:p>
         </p:txBody>
       </p:sp>
@@ -4497,73 +4557,53 @@
               <a:buNone/>
             </a:pPr>
             <a:r>
-              <a:rPr lang="ja-JP" altLang="en-US">
+              <a:rPr lang="ja-JP" altLang="en-US" dirty="0">
                 <a:ea typeface="ＭＳ Ｐゴシック"/>
                 <a:cs typeface="Calibri"/>
               </a:rPr>
-              <a:t>前提</a:t>
-            </a:r>
-          </a:p>
-          <a:p>
-            <a:r>
-              <a:rPr lang="ja-JP" altLang="en-US">
+              <a:t>制約</a:t>
+            </a:r>
+            <a:endParaRPr lang="en-US" altLang="ja-JP" dirty="0">
+              <a:ea typeface="ＭＳ Ｐゴシック"/>
+              <a:cs typeface="Calibri"/>
+            </a:endParaRPr>
+          </a:p>
+          <a:p>
+            <a:pPr marL="0" indent="0">
+              <a:buNone/>
+            </a:pPr>
+            <a:r>
+              <a:rPr lang="ja-JP" altLang="en-US" dirty="0">
                 <a:ea typeface="ＭＳ Ｐゴシック"/>
                 <a:cs typeface="Calibri"/>
               </a:rPr>
-              <a:t>CUIのシステム</a:t>
-            </a:r>
-            <a:endParaRPr lang="ja-JP"/>
-          </a:p>
-          <a:p>
-            <a:r>
-              <a:rPr lang="ja-JP" altLang="en-US">
+              <a:t>・CUIのシステム</a:t>
+            </a:r>
+            <a:endParaRPr lang="ja-JP" dirty="0"/>
+          </a:p>
+          <a:p>
+            <a:r>
+              <a:rPr lang="ja-JP" altLang="en-US" dirty="0">
                 <a:ea typeface="ＭＳ Ｐゴシック"/>
                 <a:cs typeface="Calibri"/>
               </a:rPr>
-              <a:t>会員の情報、いくつかのマンガの情報(タイトル、口コミ)はあらかじめシステムに登録済み</a:t>
+              <a:t>会員の情報、いくつかのマンガの情報(タイトル)はあらかじめシステムに登録済み</a:t>
             </a:r>
           </a:p>
           <a:p>
             <a:pPr marL="0" indent="0">
               <a:buNone/>
             </a:pPr>
-            <a:endParaRPr lang="ja-JP" altLang="en-US">
-              <a:ea typeface="ＭＳ Ｐゴシック"/>
-              <a:cs typeface="Calibri"/>
-            </a:endParaRPr>
-          </a:p>
-          <a:p>
-            <a:pPr marL="0" indent="0">
-              <a:buNone/>
-            </a:pPr>
-            <a:r>
-              <a:rPr lang="ja-JP" altLang="en-US">
+            <a:r>
+              <a:rPr lang="ja-JP" altLang="en-US" dirty="0">
                 <a:ea typeface="ＭＳ Ｐゴシック"/>
                 <a:cs typeface="Calibri"/>
               </a:rPr>
-              <a:t>拡張性</a:t>
-            </a:r>
-          </a:p>
-          <a:p>
-            <a:r>
-              <a:rPr lang="ja-JP" altLang="en-US">
-                <a:ea typeface="ＭＳ Ｐゴシック"/>
-                <a:cs typeface="Calibri"/>
-              </a:rPr>
-              <a:t>会員情報、マンガの情報をデータベースで管理する</a:t>
-            </a:r>
-          </a:p>
-          <a:p>
-            <a:r>
-              <a:rPr lang="ja-JP" altLang="en-US">
-                <a:ea typeface="ＭＳ Ｐゴシック"/>
-                <a:cs typeface="Calibri"/>
-              </a:rPr>
-              <a:t>閲覧際にはユーザ登録していないユーザでも閲覧できる</a:t>
-            </a:r>
-          </a:p>
-          <a:p>
-            <a:endParaRPr lang="ja-JP" altLang="en-US">
+              <a:t>・会員情報、マンガの情報をデータベースで管理する</a:t>
+            </a:r>
+          </a:p>
+          <a:p>
+            <a:endParaRPr lang="ja-JP" altLang="en-US" dirty="0">
               <a:ea typeface="ＭＳ Ｐゴシック"/>
               <a:cs typeface="Calibri"/>
             </a:endParaRPr>
@@ -4845,12 +4885,9 @@
 </file>
 
 <file path=customXml/item1.xml><?xml version="1.0" encoding="utf-8"?>
-<?mso-contentType ?>
-<FormTemplates xmlns="http://schemas.microsoft.com/sharepoint/v3/contenttype/forms">
-  <Display>DocumentLibraryForm</Display>
-  <Edit>DocumentLibraryForm</Edit>
-  <New>DocumentLibraryForm</New>
-</FormTemplates>
+<p:properties xmlns:p="http://schemas.microsoft.com/office/2006/metadata/properties" xmlns:xsi="http://www.w3.org/2001/XMLSchema-instance" xmlns:pc="http://schemas.microsoft.com/office/infopath/2007/PartnerControls">
+  <documentManagement/>
+</p:properties>
 </file>
 
 <file path=customXml/item2.xml><?xml version="1.0" encoding="utf-8"?>
@@ -5038,15 +5075,26 @@
 </file>
 
 <file path=customXml/item3.xml><?xml version="1.0" encoding="utf-8"?>
-<p:properties xmlns:p="http://schemas.microsoft.com/office/2006/metadata/properties" xmlns:xsi="http://www.w3.org/2001/XMLSchema-instance" xmlns:pc="http://schemas.microsoft.com/office/infopath/2007/PartnerControls">
-  <documentManagement/>
-</p:properties>
+<?mso-contentType ?>
+<FormTemplates xmlns="http://schemas.microsoft.com/sharepoint/v3/contenttype/forms">
+  <Display>DocumentLibraryForm</Display>
+  <Edit>DocumentLibraryForm</Edit>
+  <New>DocumentLibraryForm</New>
+</FormTemplates>
 </file>
 
 <file path=customXml/itemProps1.xml><?xml version="1.0" encoding="utf-8"?>
-<ds:datastoreItem xmlns:ds="http://schemas.openxmlformats.org/officeDocument/2006/customXml" ds:itemID="{9CAFE72F-78AF-46F7-81C7-BB905F95041F}">
+<ds:datastoreItem xmlns:ds="http://schemas.openxmlformats.org/officeDocument/2006/customXml" ds:itemID="{3CE05811-5779-4FD0-99D7-2704E5378DA7}">
   <ds:schemaRefs>
-    <ds:schemaRef ds:uri="http://schemas.microsoft.com/sharepoint/v3/contenttype/forms"/>
+    <ds:schemaRef ds:uri="http://purl.org/dc/terms/"/>
+    <ds:schemaRef ds:uri="http://purl.org/dc/elements/1.1/"/>
+    <ds:schemaRef ds:uri="http://schemas.microsoft.com/office/infopath/2007/PartnerControls"/>
+    <ds:schemaRef ds:uri="http://www.w3.org/XML/1998/namespace"/>
+    <ds:schemaRef ds:uri="ef71c9de-9867-437c-8375-3a1a59bfe133"/>
+    <ds:schemaRef ds:uri="http://schemas.microsoft.com/office/2006/documentManagement/types"/>
+    <ds:schemaRef ds:uri="http://schemas.microsoft.com/office/2006/metadata/properties"/>
+    <ds:schemaRef ds:uri="http://schemas.openxmlformats.org/package/2006/metadata/core-properties"/>
+    <ds:schemaRef ds:uri="http://purl.org/dc/dcmitype/"/>
   </ds:schemaRefs>
 </ds:datastoreItem>
 </file>
@@ -5070,10 +5118,9 @@
 </file>
 
 <file path=customXml/itemProps3.xml><?xml version="1.0" encoding="utf-8"?>
-<ds:datastoreItem xmlns:ds="http://schemas.openxmlformats.org/officeDocument/2006/customXml" ds:itemID="{3CE05811-5779-4FD0-99D7-2704E5378DA7}">
+<ds:datastoreItem xmlns:ds="http://schemas.openxmlformats.org/officeDocument/2006/customXml" ds:itemID="{9CAFE72F-78AF-46F7-81C7-BB905F95041F}">
   <ds:schemaRefs>
-    <ds:schemaRef ds:uri="http://schemas.microsoft.com/office/2006/metadata/properties"/>
-    <ds:schemaRef ds:uri="http://schemas.microsoft.com/office/infopath/2007/PartnerControls"/>
+    <ds:schemaRef ds:uri="http://schemas.microsoft.com/sharepoint/v3/contenttype/forms"/>
   </ds:schemaRefs>
 </ds:datastoreItem>
 </file>